--- a/PythonBootCampfor筑波_発表資料.pptx
+++ b/PythonBootCampfor筑波_発表資料.pptx
@@ -126,6 +126,11 @@
       </a:defRPr>
     </a:lvl9pPr>
   </p:defaultTextStyle>
+  <p:extLst>
+    <p:ext uri="{EFAFB233-063F-42B5-8137-9DF3F51BA10A}">
+      <p15:sldGuideLst xmlns:p15="http://schemas.microsoft.com/office/powerpoint/2012/main"/>
+    </p:ext>
+  </p:extLst>
 </p:presentation>
 </file>
 
@@ -211,7 +216,7 @@
           <a:p>
             <a:fld id="{CA95CD10-2468-4B93-9EAC-980801043A91}" type="datetimeFigureOut">
               <a:rPr kumimoji="1" lang="ja-JP" altLang="en-US" smtClean="0"/>
-              <a:t>2022/11/6</a:t>
+              <a:t>2022/12/4</a:t>
             </a:fld>
             <a:endParaRPr kumimoji="1" lang="ja-JP" altLang="en-US"/>
           </a:p>
@@ -1086,7 +1091,7 @@
           <a:p>
             <a:fld id="{40C4B4A1-5A73-EE4C-B0D5-4D68D8A59486}" type="datetime1">
               <a:rPr kumimoji="1" lang="ja-JP" altLang="en-US" smtClean="0"/>
-              <a:t>2022/11/6</a:t>
+              <a:t>2022/12/4</a:t>
             </a:fld>
             <a:endParaRPr kumimoji="1" lang="ja-JP" altLang="en-US"/>
           </a:p>
@@ -1617,7 +1622,7 @@
           <a:p>
             <a:fld id="{5A147EA6-6A5E-B642-A12A-F15A531CA2D1}" type="datetime1">
               <a:rPr kumimoji="1" lang="ja-JP" altLang="en-US" smtClean="0"/>
-              <a:t>2022/11/6</a:t>
+              <a:t>2022/12/4</a:t>
             </a:fld>
             <a:endParaRPr kumimoji="1" lang="ja-JP" altLang="en-US"/>
           </a:p>
@@ -1817,7 +1822,7 @@
           <a:p>
             <a:fld id="{9017C51F-CE25-914C-91B5-8A21EDFB09AE}" type="datetime1">
               <a:rPr kumimoji="1" lang="ja-JP" altLang="en-US" smtClean="0"/>
-              <a:t>2022/11/6</a:t>
+              <a:t>2022/12/4</a:t>
             </a:fld>
             <a:endParaRPr kumimoji="1" lang="ja-JP" altLang="en-US"/>
           </a:p>
@@ -2027,7 +2032,7 @@
           <a:p>
             <a:fld id="{EDB0F45C-4D5E-8B44-9FF6-BBADF9CA7065}" type="datetime1">
               <a:rPr kumimoji="1" lang="ja-JP" altLang="en-US" smtClean="0"/>
-              <a:t>2022/11/6</a:t>
+              <a:t>2022/12/4</a:t>
             </a:fld>
             <a:endParaRPr kumimoji="1" lang="ja-JP" altLang="en-US"/>
           </a:p>
@@ -2227,7 +2232,7 @@
           <a:p>
             <a:fld id="{F8A9CCD6-A889-0A49-8F11-4737D15F71FD}" type="datetime1">
               <a:rPr kumimoji="1" lang="ja-JP" altLang="en-US" smtClean="0"/>
-              <a:t>2022/11/6</a:t>
+              <a:t>2022/12/4</a:t>
             </a:fld>
             <a:endParaRPr kumimoji="1" lang="ja-JP" altLang="en-US"/>
           </a:p>
@@ -2472,7 +2477,7 @@
           <a:p>
             <a:fld id="{E5EB7F4A-FECD-1248-A21C-41239C8771C5}" type="datetime1">
               <a:rPr kumimoji="1" lang="ja-JP" altLang="en-US" smtClean="0"/>
-              <a:t>2022/11/6</a:t>
+              <a:t>2022/12/4</a:t>
             </a:fld>
             <a:endParaRPr kumimoji="1" lang="ja-JP" altLang="en-US"/>
           </a:p>
@@ -3152,7 +3157,7 @@
           <a:p>
             <a:fld id="{0C215A0B-DDBB-F746-9B15-FFAC6A7C0073}" type="datetime1">
               <a:rPr kumimoji="1" lang="ja-JP" altLang="en-US" smtClean="0"/>
-              <a:t>2022/11/6</a:t>
+              <a:t>2022/12/4</a:t>
             </a:fld>
             <a:endParaRPr kumimoji="1" lang="ja-JP" altLang="en-US"/>
           </a:p>
@@ -3635,7 +3640,7 @@
           <a:p>
             <a:fld id="{F29DAF50-064B-E145-AB4A-D976DE2D73D1}" type="datetime1">
               <a:rPr kumimoji="1" lang="ja-JP" altLang="en-US" smtClean="0"/>
-              <a:t>2022/11/6</a:t>
+              <a:t>2022/12/4</a:t>
             </a:fld>
             <a:endParaRPr kumimoji="1" lang="ja-JP" altLang="en-US"/>
           </a:p>
@@ -3866,7 +3871,7 @@
           <a:p>
             <a:fld id="{494C6DE2-7BCA-604B-A11E-887685621AC8}" type="datetime1">
               <a:rPr kumimoji="1" lang="ja-JP" altLang="en-US" smtClean="0"/>
-              <a:t>2022/11/7</a:t>
+              <a:t>2022/12/4</a:t>
             </a:fld>
             <a:endParaRPr kumimoji="1" lang="ja-JP" altLang="en-US"/>
           </a:p>
@@ -6236,7 +6241,7 @@
           <a:p>
             <a:fld id="{4A2F1585-1175-1F48-877E-2AC65DE47345}" type="datetime1">
               <a:rPr kumimoji="1" lang="ja-JP" altLang="en-US" smtClean="0"/>
-              <a:t>2022/11/6</a:t>
+              <a:t>2022/12/4</a:t>
             </a:fld>
             <a:endParaRPr kumimoji="1" lang="ja-JP" altLang="en-US"/>
           </a:p>
@@ -6482,7 +6487,7 @@
           <a:p>
             <a:fld id="{425809FC-89F2-344C-8E27-4F57AD8C7518}" type="datetime1">
               <a:rPr kumimoji="1" lang="ja-JP" altLang="en-US" smtClean="0"/>
-              <a:t>2022/11/6</a:t>
+              <a:t>2022/12/4</a:t>
             </a:fld>
             <a:endParaRPr kumimoji="1" lang="ja-JP" altLang="en-US"/>
           </a:p>
@@ -12687,27 +12692,7 @@
                   </a:extLst>
                 </a:hlinkClick>
               </a:rPr>
-              <a:t>note.nkmk.me - </a:t>
-            </a:r>
-            <a:r>
-              <a:rPr lang="en-US" altLang="ja-JP" sz="1200" b="0" i="0" u="sng" strike="noStrike" dirty="0">
-                <a:solidFill>
-                  <a:schemeClr val="tx1">
-                    <a:lumMod val="85000"/>
-                    <a:lumOff val="15000"/>
-                  </a:schemeClr>
-                </a:solidFill>
-                <a:effectLst/>
-                <a:latin typeface="-apple-system"/>
-                <a:hlinkClick r:id="rId9" tooltip="https://note.nkmk.me/python/">
-                  <a:extLst>
-                    <a:ext uri="{A12FA001-AC4F-418D-AE19-62706E023703}">
-                      <ahyp:hlinkClr xmlns:ahyp="http://schemas.microsoft.com/office/drawing/2018/hyperlinkcolor" val="tx"/>
-                    </a:ext>
-                  </a:extLst>
-                </a:hlinkClick>
-              </a:rPr>
-              <a:t>https://note.nkmk.me/python/</a:t>
+              <a:t>note.nkmk.me - https://note.nkmk.me/python/</a:t>
             </a:r>
             <a:endParaRPr lang="en-US" altLang="ja-JP" sz="1200" b="0" i="0" u="sng" dirty="0">
               <a:solidFill>
@@ -15601,7 +15586,7 @@
         <p:spPr>
           <a:xfrm>
             <a:off x="204650" y="1076042"/>
-            <a:ext cx="8734699" cy="4031873"/>
+            <a:ext cx="8281434" cy="3539430"/>
           </a:xfrm>
           <a:prstGeom prst="rect">
             <a:avLst/>
@@ -15690,34 +15675,24 @@
               <a:buChar char="•"/>
             </a:pPr>
             <a:r>
-              <a:rPr lang="ja-JP" altLang="en-US" sz="3200" dirty="0">
+              <a:rPr lang="en-US" altLang="ja-JP" sz="3200" dirty="0">
                 <a:solidFill>
                   <a:prstClr val="black"/>
                 </a:solidFill>
                 <a:latin typeface="Segoe UI"/>
                 <a:ea typeface="Meiryo UI"/>
               </a:rPr>
-              <a:t>研修用</a:t>
-            </a:r>
-            <a:r>
-              <a:rPr lang="en-US" altLang="ja-JP" sz="3200" dirty="0">
+              <a:t>URL</a:t>
+            </a:r>
+            <a:r>
+              <a:rPr lang="ja-JP" altLang="en-US" sz="3200" dirty="0">
                 <a:solidFill>
                   <a:prstClr val="black"/>
                 </a:solidFill>
                 <a:latin typeface="Segoe UI"/>
                 <a:ea typeface="Meiryo UI"/>
               </a:rPr>
-              <a:t>PC</a:t>
-            </a:r>
-            <a:r>
-              <a:rPr lang="ja-JP" altLang="en-US" sz="3200" dirty="0">
-                <a:solidFill>
-                  <a:prstClr val="black"/>
-                </a:solidFill>
-                <a:latin typeface="Segoe UI"/>
-                <a:ea typeface="Meiryo UI"/>
-              </a:rPr>
-              <a:t>のデスクトップに</a:t>
+              <a:t>とアカウント情報が書かれた用紙１枚</a:t>
             </a:r>
             <a:endParaRPr lang="en-US" altLang="ja-JP" sz="3200" dirty="0">
               <a:solidFill>
@@ -15728,85 +15703,39 @@
             </a:endParaRPr>
           </a:p>
           <a:p>
-            <a:r>
-              <a:rPr lang="en-US" altLang="ja-JP" sz="3200" dirty="0">
+            <a:pPr marL="457189" indent="-457189">
+              <a:buFont typeface="Arial" panose="020B0604020202020204" pitchFamily="34" charset="0"/>
+              <a:buChar char="•"/>
+            </a:pPr>
+            <a:r>
+              <a:rPr lang="ja-JP" altLang="en-US" sz="3200" dirty="0">
                 <a:solidFill>
                   <a:prstClr val="black"/>
                 </a:solidFill>
                 <a:latin typeface="Segoe UI"/>
                 <a:ea typeface="Meiryo UI"/>
               </a:rPr>
-              <a:t>   </a:t>
-            </a:r>
-            <a:r>
-              <a:rPr lang="ja-JP" altLang="en-US" sz="3200" dirty="0">
+              <a:t>研修用</a:t>
+            </a:r>
+            <a:r>
+              <a:rPr lang="en-US" altLang="ja-JP" sz="3200" dirty="0">
                 <a:solidFill>
                   <a:prstClr val="black"/>
                 </a:solidFill>
                 <a:latin typeface="Segoe UI"/>
                 <a:ea typeface="Meiryo UI"/>
               </a:rPr>
-              <a:t>「</a:t>
-            </a:r>
-            <a:r>
-              <a:rPr lang="en-US" altLang="ja-JP" sz="3200" dirty="0">
+              <a:t>PC</a:t>
+            </a:r>
+            <a:r>
+              <a:rPr lang="ja-JP" altLang="en-US" sz="3200" dirty="0">
                 <a:solidFill>
                   <a:prstClr val="black"/>
                 </a:solidFill>
                 <a:latin typeface="Segoe UI"/>
                 <a:ea typeface="Meiryo UI"/>
               </a:rPr>
-              <a:t>20220827_</a:t>
-            </a:r>
-            <a:r>
-              <a:rPr lang="ja-JP" altLang="en-US" sz="3200" dirty="0">
-                <a:solidFill>
-                  <a:prstClr val="black"/>
-                </a:solidFill>
-                <a:latin typeface="Segoe UI"/>
-                <a:ea typeface="Meiryo UI"/>
-              </a:rPr>
-              <a:t>筑波</a:t>
-            </a:r>
-            <a:r>
-              <a:rPr lang="en-US" altLang="ja-JP" sz="3200" dirty="0">
-                <a:solidFill>
-                  <a:prstClr val="black"/>
-                </a:solidFill>
-                <a:latin typeface="Segoe UI"/>
-                <a:ea typeface="Meiryo UI"/>
-              </a:rPr>
-              <a:t>EC_</a:t>
-            </a:r>
-            <a:r>
-              <a:rPr lang="ja-JP" altLang="en-US" sz="3200" dirty="0">
-                <a:solidFill>
-                  <a:prstClr val="black"/>
-                </a:solidFill>
-                <a:latin typeface="Segoe UI"/>
-                <a:ea typeface="Meiryo UI"/>
-              </a:rPr>
-              <a:t>ゼロから始める</a:t>
-            </a:r>
-            <a:r>
-              <a:rPr lang="en-US" altLang="ja-JP" sz="3200" dirty="0">
-                <a:solidFill>
-                  <a:prstClr val="black"/>
-                </a:solidFill>
-                <a:latin typeface="Segoe UI"/>
-                <a:ea typeface="Meiryo UI"/>
-              </a:rPr>
-              <a:t>Python</a:t>
-            </a:r>
-            <a:r>
-              <a:rPr lang="ja-JP" altLang="en-US" sz="3200" dirty="0">
-                <a:solidFill>
-                  <a:prstClr val="black"/>
-                </a:solidFill>
-                <a:latin typeface="Segoe UI"/>
-                <a:ea typeface="Meiryo UI"/>
-              </a:rPr>
-              <a:t>講座」</a:t>
+              <a:t>を起動してください。</a:t>
             </a:r>
             <a:endParaRPr lang="en-US" altLang="ja-JP" sz="3200" dirty="0">
               <a:solidFill>
@@ -15827,32 +15756,6 @@
               </a:rPr>
               <a:t>   </a:t>
             </a:r>
-            <a:r>
-              <a:rPr lang="ja-JP" altLang="en-US" sz="3200" dirty="0">
-                <a:solidFill>
-                  <a:prstClr val="black"/>
-                </a:solidFill>
-                <a:latin typeface="Segoe UI"/>
-                <a:ea typeface="Meiryo UI"/>
-              </a:rPr>
-              <a:t>が配置されているか</a:t>
-            </a:r>
-            <a:endParaRPr lang="en-US" altLang="ja-JP" sz="3200" dirty="0">
-              <a:solidFill>
-                <a:prstClr val="black"/>
-              </a:solidFill>
-              <a:latin typeface="Segoe UI"/>
-              <a:ea typeface="Meiryo UI"/>
-            </a:endParaRPr>
-          </a:p>
-          <a:p>
-            <a:endParaRPr lang="en-US" altLang="ja-JP" sz="3200" dirty="0">
-              <a:solidFill>
-                <a:prstClr val="black"/>
-              </a:solidFill>
-              <a:latin typeface="Segoe UI"/>
-              <a:ea typeface="Meiryo UI"/>
-            </a:endParaRPr>
           </a:p>
           <a:p>
             <a:r>
